--- a/docs/chap1_slide.pptx
+++ b/docs/chap1_slide.pptx
@@ -16,6 +16,10 @@
     <p:sldId id="264" r:id="rId10"/>
     <p:sldId id="265" r:id="rId11"/>
     <p:sldId id="266" r:id="rId12"/>
+    <p:sldId id="267" r:id="rId13"/>
+    <p:sldId id="268" r:id="rId14"/>
+    <p:sldId id="269" r:id="rId15"/>
+    <p:sldId id="270" r:id="rId16"/>
   </p:sldIdLst>
   <p:sldSz cx="9144000" cy="5143500" type="screen16x9"/>
   <p:notesSz cx="6858000" cy="9144000"/>
@@ -3155,6 +3159,10 @@
             </a:pPr>
             <a:br/>
             <a:br/>
+            <a:r>
+              <a:rPr/>
+              <a:t>《精通Excel数据统计与分析》</a:t>
+            </a:r>
           </a:p>
         </p:txBody>
       </p:sp>
@@ -3200,7 +3208,7 @@
             </a:pPr>
             <a:r>
               <a:rPr/>
-              <a:t>1.3 Excel常用技巧</a:t>
+              <a:t>1.2 Excel的统计分析工具</a:t>
             </a:r>
           </a:p>
         </p:txBody>
@@ -3223,14 +3231,21 @@
             <a:pPr lvl="0"/>
             <a:r>
               <a:rPr/>
-              <a:t>1.3.1 Excel的快捷键</a:t>
-            </a:r>
-          </a:p>
-          <a:p>
-            <a:pPr lvl="0"/>
-            <a:r>
-              <a:rPr/>
-              <a:t>1.3.2 单元格填充柄</a:t>
+              <a:t>1.2.1 图表工具</a:t>
+            </a:r>
+          </a:p>
+          <a:p>
+            <a:pPr lvl="0"/>
+            <a:r>
+              <a:rPr/>
+              <a:t>1.2.2 函数工具</a:t>
+            </a:r>
+          </a:p>
+          <a:p>
+            <a:pPr lvl="0"/>
+            <a:r>
+              <a:rPr/>
+              <a:t>1.2.3 数据分析工具</a:t>
             </a:r>
           </a:p>
         </p:txBody>
@@ -3277,6 +3292,281 @@
             </a:pPr>
             <a:r>
               <a:rPr/>
+              <a:t>1.3 Excel常用技巧</a:t>
+            </a:r>
+          </a:p>
+        </p:txBody>
+      </p:sp>
+      <p:sp>
+        <p:nvSpPr>
+          <p:cNvPr id="3" name="Content Placeholder 2"/>
+          <p:cNvSpPr>
+            <a:spLocks noGrp="1"/>
+          </p:cNvSpPr>
+          <p:nvPr>
+            <p:ph idx="1"/>
+          </p:nvPr>
+        </p:nvSpPr>
+        <p:spPr/>
+        <p:txBody>
+          <a:bodyPr/>
+          <a:lstStyle/>
+          <a:p>
+            <a:pPr lvl="0"/>
+            <a:r>
+              <a:rPr/>
+              <a:t>1.3.1 Excel的快捷键</a:t>
+            </a:r>
+          </a:p>
+          <a:p>
+            <a:pPr lvl="0"/>
+            <a:r>
+              <a:rPr/>
+              <a:t>1.3.2 单元格填充柄</a:t>
+            </a:r>
+          </a:p>
+        </p:txBody>
+      </p:sp>
+    </p:spTree>
+  </p:cSld>
+</p:sld>
+</file>
+
+<file path=ppt/slides/slide12.xml><?xml version="1.0" encoding="utf-8"?>
+<p:sld xmlns:a="http://schemas.openxmlformats.org/drawingml/2006/main" xmlns:r="http://schemas.openxmlformats.org/officeDocument/2006/relationships" xmlns:p="http://schemas.openxmlformats.org/presentationml/2006/main">
+  <p:cSld>
+    <p:spTree>
+      <p:nvGrpSpPr>
+        <p:cNvPr id="1" name=""/>
+        <p:cNvGrpSpPr/>
+        <p:nvPr/>
+      </p:nvGrpSpPr>
+      <p:grpSpPr>
+        <a:xfrm>
+          <a:off x="0" y="0"/>
+          <a:ext cx="0" cy="0"/>
+          <a:chOff x="0" y="0"/>
+          <a:chExt cx="0" cy="0"/>
+        </a:xfrm>
+      </p:grpSpPr>
+      <p:sp>
+        <p:nvSpPr>
+          <p:cNvPr id="2" name="Title 1"/>
+          <p:cNvSpPr>
+            <a:spLocks noGrp="1"/>
+          </p:cNvSpPr>
+          <p:nvPr>
+            <p:ph type="title"/>
+          </p:nvPr>
+        </p:nvSpPr>
+        <p:spPr/>
+        <p:txBody>
+          <a:bodyPr/>
+          <a:lstStyle/>
+          <a:p>
+            <a:pPr lvl="0" indent="0" marL="0">
+              <a:buNone/>
+            </a:pPr>
+            <a:r>
+              <a:rPr/>
+              <a:t>1.3.1 Excel的快捷键</a:t>
+            </a:r>
+          </a:p>
+        </p:txBody>
+      </p:sp>
+      <p:sp>
+        <p:nvSpPr>
+          <p:cNvPr id="3" name="Content Placeholder 2"/>
+          <p:cNvSpPr>
+            <a:spLocks noGrp="1"/>
+          </p:cNvSpPr>
+          <p:nvPr>
+            <p:ph idx="1"/>
+          </p:nvPr>
+        </p:nvSpPr>
+        <p:spPr/>
+        <p:txBody>
+          <a:bodyPr/>
+          <a:lstStyle/>
+          <a:p>
+            <a:pPr lvl="0"/>
+            <a:r>
+              <a:rPr/>
+              <a:t>基础操作</a:t>
+            </a:r>
+          </a:p>
+          <a:p>
+            <a:pPr lvl="0"/>
+            <a:r>
+              <a:rPr/>
+              <a:t>光标定位</a:t>
+            </a:r>
+          </a:p>
+          <a:p>
+            <a:pPr lvl="0"/>
+            <a:r>
+              <a:rPr/>
+              <a:t>范围选择</a:t>
+            </a:r>
+          </a:p>
+          <a:p>
+            <a:pPr lvl="0"/>
+            <a:r>
+              <a:rPr/>
+              <a:t>编辑计算</a:t>
+            </a:r>
+          </a:p>
+        </p:txBody>
+      </p:sp>
+    </p:spTree>
+  </p:cSld>
+</p:sld>
+</file>
+
+<file path=ppt/slides/slide13.xml><?xml version="1.0" encoding="utf-8"?>
+<p:sld xmlns:a="http://schemas.openxmlformats.org/drawingml/2006/main" xmlns:r="http://schemas.openxmlformats.org/officeDocument/2006/relationships" xmlns:p="http://schemas.openxmlformats.org/presentationml/2006/main">
+  <p:cSld>
+    <p:spTree>
+      <p:nvGrpSpPr>
+        <p:cNvPr id="1" name=""/>
+        <p:cNvGrpSpPr/>
+        <p:nvPr/>
+      </p:nvGrpSpPr>
+      <p:grpSpPr>
+        <a:xfrm>
+          <a:off x="0" y="0"/>
+          <a:ext cx="0" cy="0"/>
+          <a:chOff x="0" y="0"/>
+          <a:chExt cx="0" cy="0"/>
+        </a:xfrm>
+      </p:grpSpPr>
+      <p:sp>
+        <p:nvSpPr>
+          <p:cNvPr id="2" name="Title 1"/>
+          <p:cNvSpPr>
+            <a:spLocks noGrp="1"/>
+          </p:cNvSpPr>
+          <p:nvPr>
+            <p:ph type="title"/>
+          </p:nvPr>
+        </p:nvSpPr>
+        <p:spPr/>
+        <p:txBody>
+          <a:bodyPr/>
+          <a:lstStyle/>
+          <a:p>
+            <a:pPr lvl="0" indent="0" marL="0">
+              <a:buNone/>
+            </a:pPr>
+            <a:r>
+              <a:rPr/>
+              <a:t>1.3.2 单元格填充柄</a:t>
+            </a:r>
+          </a:p>
+        </p:txBody>
+      </p:sp>
+      <p:pic>
+        <p:nvPicPr>
+          <p:cNvPr descr="img/pic1.8.png" id="0" name="Picture 1"/>
+          <p:cNvPicPr>
+            <a:picLocks noGrp="1" noChangeAspect="1"/>
+          </p:cNvPicPr>
+          <p:nvPr/>
+        </p:nvPicPr>
+        <p:blipFill>
+          <a:blip r:embed="rId2"/>
+          <a:stretch>
+            <a:fillRect/>
+          </a:stretch>
+        </p:blipFill>
+        <p:spPr bwMode="auto">
+          <a:xfrm>
+            <a:off x="457200" y="1816100"/>
+            <a:ext cx="8229600" cy="1651000"/>
+          </a:xfrm>
+          <a:prstGeom prst="rect">
+            <a:avLst/>
+          </a:prstGeom>
+          <a:noFill/>
+          <a:ln w="9525">
+            <a:noFill/>
+            <a:headEnd/>
+            <a:tailEnd/>
+          </a:ln>
+        </p:spPr>
+      </p:pic>
+      <p:sp>
+        <p:nvSpPr>
+          <p:cNvPr id="1" name="TextBox 3"/>
+          <p:cNvSpPr txBox="1"/>
+          <p:nvPr/>
+        </p:nvSpPr>
+        <p:spPr>
+          <a:xfrm>
+            <a:off x="457200" y="4076700"/>
+            <a:ext cx="8229600" cy="508000"/>
+          </a:xfrm>
+          <a:prstGeom prst="rect">
+            <a:avLst/>
+          </a:prstGeom>
+          <a:noFill/>
+        </p:spPr>
+        <p:txBody>
+          <a:bodyPr/>
+          <a:lstStyle/>
+          <a:p>
+            <a:pPr lvl="0" indent="0" marL="0" algn="ctr">
+              <a:buNone/>
+            </a:pPr>
+            <a:r>
+              <a:rPr/>
+              <a:t>图1. 8 待填充的序列</a:t>
+            </a:r>
+          </a:p>
+        </p:txBody>
+      </p:sp>
+    </p:spTree>
+  </p:cSld>
+</p:sld>
+</file>
+
+<file path=ppt/slides/slide14.xml><?xml version="1.0" encoding="utf-8"?>
+<p:sld xmlns:a="http://schemas.openxmlformats.org/drawingml/2006/main" xmlns:r="http://schemas.openxmlformats.org/officeDocument/2006/relationships" xmlns:p="http://schemas.openxmlformats.org/presentationml/2006/main">
+  <p:cSld>
+    <p:spTree>
+      <p:nvGrpSpPr>
+        <p:cNvPr id="1" name=""/>
+        <p:cNvGrpSpPr/>
+        <p:nvPr/>
+      </p:nvGrpSpPr>
+      <p:grpSpPr>
+        <a:xfrm>
+          <a:off x="0" y="0"/>
+          <a:ext cx="0" cy="0"/>
+          <a:chOff x="0" y="0"/>
+          <a:chExt cx="0" cy="0"/>
+        </a:xfrm>
+      </p:grpSpPr>
+      <p:sp>
+        <p:nvSpPr>
+          <p:cNvPr id="2" name="Title 1"/>
+          <p:cNvSpPr>
+            <a:spLocks noGrp="1"/>
+          </p:cNvSpPr>
+          <p:nvPr>
+            <p:ph type="title"/>
+          </p:nvPr>
+        </p:nvSpPr>
+        <p:spPr/>
+        <p:txBody>
+          <a:bodyPr/>
+          <a:lstStyle/>
+          <a:p>
+            <a:pPr lvl="0" indent="0" marL="0">
+              <a:buNone/>
+            </a:pPr>
+            <a:r>
+              <a:rPr/>
               <a:t>1.4 Excel的数据清洗工具</a:t>
             </a:r>
           </a:p>
@@ -3368,6 +3658,83 @@
           </a:p>
         </p:txBody>
       </p:sp>
+    </p:spTree>
+  </p:cSld>
+</p:sld>
+</file>
+
+<file path=ppt/slides/slide15.xml><?xml version="1.0" encoding="utf-8"?>
+<p:sld xmlns:a="http://schemas.openxmlformats.org/drawingml/2006/main" xmlns:r="http://schemas.openxmlformats.org/officeDocument/2006/relationships" xmlns:p="http://schemas.openxmlformats.org/presentationml/2006/main">
+  <p:cSld>
+    <p:spTree>
+      <p:nvGrpSpPr>
+        <p:cNvPr id="1" name=""/>
+        <p:cNvGrpSpPr/>
+        <p:nvPr/>
+      </p:nvGrpSpPr>
+      <p:grpSpPr>
+        <a:xfrm>
+          <a:off x="0" y="0"/>
+          <a:ext cx="0" cy="0"/>
+          <a:chOff x="0" y="0"/>
+          <a:chExt cx="0" cy="0"/>
+        </a:xfrm>
+      </p:grpSpPr>
+      <p:sp>
+        <p:nvSpPr>
+          <p:cNvPr id="2" name="Title 1"/>
+          <p:cNvSpPr>
+            <a:spLocks noGrp="1"/>
+          </p:cNvSpPr>
+          <p:nvPr>
+            <p:ph type="title"/>
+          </p:nvPr>
+        </p:nvSpPr>
+        <p:spPr/>
+        <p:txBody>
+          <a:bodyPr/>
+          <a:lstStyle/>
+          <a:p>
+            <a:pPr lvl="0" indent="0" marL="0">
+              <a:buNone/>
+            </a:pPr>
+            <a:r>
+              <a:rPr/>
+              <a:t>本章总结</a:t>
+            </a:r>
+          </a:p>
+        </p:txBody>
+      </p:sp>
+      <p:pic>
+        <p:nvPicPr>
+          <p:cNvPr descr="img/review1.png" id="0" name="Picture 1"/>
+          <p:cNvPicPr>
+            <a:picLocks noGrp="1" noChangeAspect="1"/>
+          </p:cNvPicPr>
+          <p:nvPr/>
+        </p:nvPicPr>
+        <p:blipFill>
+          <a:blip r:embed="rId2"/>
+          <a:stretch>
+            <a:fillRect/>
+          </a:stretch>
+        </p:blipFill>
+        <p:spPr bwMode="auto">
+          <a:xfrm>
+            <a:off x="2959100" y="1193800"/>
+            <a:ext cx="3238500" cy="3390900"/>
+          </a:xfrm>
+          <a:prstGeom prst="rect">
+            <a:avLst/>
+          </a:prstGeom>
+          <a:noFill/>
+          <a:ln w="9525">
+            <a:noFill/>
+            <a:headEnd/>
+            <a:tailEnd/>
+          </a:ln>
+        </p:spPr>
+      </p:pic>
     </p:spTree>
   </p:cSld>
 </p:sld>
@@ -3949,7 +4316,21 @@
             <a:pPr lvl="0"/>
             <a:r>
               <a:rPr/>
-              <a:t>1.4 Excel中的数据清洗工具</a:t>
+              <a:t>将数据转化为结构化表格的形式，其中每一行代表一个观测单元，每一列代表一个变量。</a:t>
+            </a:r>
+          </a:p>
+          <a:p>
+            <a:pPr lvl="0"/>
+            <a:r>
+              <a:rPr/>
+              <a:t>检查数据的完整性和合理性，包括查看是否存在重复个案、缺失值、异常值，以及将文本转化为数值代码。</a:t>
+            </a:r>
+          </a:p>
+          <a:p>
+            <a:pPr lvl="0"/>
+            <a:r>
+              <a:rPr/>
+              <a:t>详见：1.4 Excel中的数据清洗工具</a:t>
             </a:r>
           </a:p>
         </p:txBody>
@@ -4019,28 +4400,14 @@
             <a:pPr lvl="0"/>
             <a:r>
               <a:rPr/>
-              <a:t>第2章-第5章：描述统计方法</a:t>
-            </a:r>
-          </a:p>
-          <a:p>
-            <a:pPr lvl="0"/>
-            <a:r>
-              <a:rPr/>
-              <a:t>第6章至第8章：推断统计准备知识</a:t>
-            </a:r>
-          </a:p>
-          <a:p>
-            <a:pPr lvl="0"/>
-            <a:r>
-              <a:rPr/>
-              <a:t>第9章至第15章：推断统计方法</a:t>
-            </a:r>
-          </a:p>
-          <a:p>
-            <a:pPr lvl="0"/>
-            <a:r>
-              <a:rPr/>
-              <a:t>第16章：时间序列</a:t>
+              <a:t>描述统计：利用表格和图形对数据进行呈现，计算均值、中位数、标准差等描述性统计量。</a:t>
+            </a:r>
+          </a:p>
+          <a:p>
+            <a:pPr lvl="0"/>
+            <a:r>
+              <a:rPr/>
+              <a:t>推断统计：根据样本数据对总体特征进行推断。</a:t>
             </a:r>
           </a:p>
         </p:txBody>
@@ -4087,7 +4454,7 @@
             </a:pPr>
             <a:r>
               <a:rPr/>
-              <a:t>全书框架</a:t>
+              <a:t>1.1.3 分析数据</a:t>
             </a:r>
           </a:p>
         </p:txBody>
@@ -4107,9 +4474,32 @@
           <a:bodyPr/>
           <a:lstStyle/>
           <a:p>
-            <a:pPr lvl="0" indent="0" marL="0">
-              <a:buNone/>
-            </a:pPr>
+            <a:pPr lvl="0"/>
+            <a:r>
+              <a:rPr/>
+              <a:t>第2章-第5章：描述统计方法</a:t>
+            </a:r>
+          </a:p>
+          <a:p>
+            <a:pPr lvl="0"/>
+            <a:r>
+              <a:rPr/>
+              <a:t>第6章至第8章：推断统计准备知识</a:t>
+            </a:r>
+          </a:p>
+          <a:p>
+            <a:pPr lvl="0"/>
+            <a:r>
+              <a:rPr/>
+              <a:t>第9章至第15章：推断统计方法</a:t>
+            </a:r>
+          </a:p>
+          <a:p>
+            <a:pPr lvl="0"/>
+            <a:r>
+              <a:rPr/>
+              <a:t>第16章：时间序列</a:t>
+            </a:r>
           </a:p>
         </p:txBody>
       </p:sp>
@@ -4155,11 +4545,41 @@
             </a:pPr>
             <a:r>
               <a:rPr/>
-              <a:t>1.1.4 提炼结论</a:t>
-            </a:r>
-          </a:p>
-        </p:txBody>
-      </p:sp>
+              <a:t>全书框架</a:t>
+            </a:r>
+          </a:p>
+        </p:txBody>
+      </p:sp>
+      <p:pic>
+        <p:nvPicPr>
+          <p:cNvPr descr="img/pic1.34.png" id="0" name="Picture 1"/>
+          <p:cNvPicPr>
+            <a:picLocks noGrp="1" noChangeAspect="1"/>
+          </p:cNvPicPr>
+          <p:nvPr/>
+        </p:nvPicPr>
+        <p:blipFill>
+          <a:blip r:embed="rId2"/>
+          <a:stretch>
+            <a:fillRect/>
+          </a:stretch>
+        </p:blipFill>
+        <p:spPr bwMode="auto">
+          <a:xfrm>
+            <a:off x="2794000" y="1193800"/>
+            <a:ext cx="3568700" cy="3390900"/>
+          </a:xfrm>
+          <a:prstGeom prst="rect">
+            <a:avLst/>
+          </a:prstGeom>
+          <a:noFill/>
+          <a:ln w="9525">
+            <a:noFill/>
+            <a:headEnd/>
+            <a:tailEnd/>
+          </a:ln>
+        </p:spPr>
+      </p:pic>
     </p:spTree>
   </p:cSld>
 </p:sld>
@@ -4202,7 +4622,7 @@
             </a:pPr>
             <a:r>
               <a:rPr/>
-              <a:t>1.2 Excel的统计分析工具</a:t>
+              <a:t>1.1.4 提炼结论</a:t>
             </a:r>
           </a:p>
         </p:txBody>
@@ -4225,21 +4645,7 @@
             <a:pPr lvl="0"/>
             <a:r>
               <a:rPr/>
-              <a:t>1.2.1 图表工具</a:t>
-            </a:r>
-          </a:p>
-          <a:p>
-            <a:pPr lvl="0"/>
-            <a:r>
-              <a:rPr/>
-              <a:t>1.2.2 函数工具</a:t>
-            </a:r>
-          </a:p>
-          <a:p>
-            <a:pPr lvl="0"/>
-            <a:r>
-              <a:rPr/>
-              <a:t>1.2.3 数据分析工具</a:t>
+              <a:t>运用统计分析方法得到的发现进行梳理和归纳，从中提炼出有价值的结论。</a:t>
             </a:r>
           </a:p>
         </p:txBody>
